--- a/docs/diagrams/ModelComponentClassDiagram.pptx
+++ b/docs/diagrams/ModelComponentClassDiagram.pptx
@@ -208,7 +208,7 @@
           <a:p>
             <a:fld id="{F5CC4B3F-88C1-4FFA-B1B6-F41C21DC6924}" type="datetimeFigureOut">
               <a:rPr lang="en-US" smtClean="0"/>
-              <a:t>6/27/2018</a:t>
+              <a:t>11/10/2018</a:t>
             </a:fld>
             <a:endParaRPr lang="en-US"/>
           </a:p>
@@ -654,7 +654,7 @@
           <a:p>
             <a:fld id="{78C97017-6FC3-485B-9764-EAC9E56C1D49}" type="datetimeFigureOut">
               <a:rPr lang="en-US" smtClean="0"/>
-              <a:t>6/27/2018</a:t>
+              <a:t>11/10/2018</a:t>
             </a:fld>
             <a:endParaRPr lang="en-US"/>
           </a:p>
@@ -822,7 +822,7 @@
           <a:p>
             <a:fld id="{78C97017-6FC3-485B-9764-EAC9E56C1D49}" type="datetimeFigureOut">
               <a:rPr lang="en-US" smtClean="0"/>
-              <a:t>6/27/2018</a:t>
+              <a:t>11/10/2018</a:t>
             </a:fld>
             <a:endParaRPr lang="en-US"/>
           </a:p>
@@ -1000,7 +1000,7 @@
           <a:p>
             <a:fld id="{78C97017-6FC3-485B-9764-EAC9E56C1D49}" type="datetimeFigureOut">
               <a:rPr lang="en-US" smtClean="0"/>
-              <a:t>6/27/2018</a:t>
+              <a:t>11/10/2018</a:t>
             </a:fld>
             <a:endParaRPr lang="en-US"/>
           </a:p>
@@ -1168,7 +1168,7 @@
           <a:p>
             <a:fld id="{78C97017-6FC3-485B-9764-EAC9E56C1D49}" type="datetimeFigureOut">
               <a:rPr lang="en-US" smtClean="0"/>
-              <a:t>6/27/2018</a:t>
+              <a:t>11/10/2018</a:t>
             </a:fld>
             <a:endParaRPr lang="en-US"/>
           </a:p>
@@ -1413,7 +1413,7 @@
           <a:p>
             <a:fld id="{78C97017-6FC3-485B-9764-EAC9E56C1D49}" type="datetimeFigureOut">
               <a:rPr lang="en-US" smtClean="0"/>
-              <a:t>6/27/2018</a:t>
+              <a:t>11/10/2018</a:t>
             </a:fld>
             <a:endParaRPr lang="en-US"/>
           </a:p>
@@ -1698,7 +1698,7 @@
           <a:p>
             <a:fld id="{78C97017-6FC3-485B-9764-EAC9E56C1D49}" type="datetimeFigureOut">
               <a:rPr lang="en-US" smtClean="0"/>
-              <a:t>6/27/2018</a:t>
+              <a:t>11/10/2018</a:t>
             </a:fld>
             <a:endParaRPr lang="en-US"/>
           </a:p>
@@ -2117,7 +2117,7 @@
           <a:p>
             <a:fld id="{78C97017-6FC3-485B-9764-EAC9E56C1D49}" type="datetimeFigureOut">
               <a:rPr lang="en-US" smtClean="0"/>
-              <a:t>6/27/2018</a:t>
+              <a:t>11/10/2018</a:t>
             </a:fld>
             <a:endParaRPr lang="en-US"/>
           </a:p>
@@ -2234,7 +2234,7 @@
           <a:p>
             <a:fld id="{78C97017-6FC3-485B-9764-EAC9E56C1D49}" type="datetimeFigureOut">
               <a:rPr lang="en-US" smtClean="0"/>
-              <a:t>6/27/2018</a:t>
+              <a:t>11/10/2018</a:t>
             </a:fld>
             <a:endParaRPr lang="en-US"/>
           </a:p>
@@ -2329,7 +2329,7 @@
           <a:p>
             <a:fld id="{78C97017-6FC3-485B-9764-EAC9E56C1D49}" type="datetimeFigureOut">
               <a:rPr lang="en-US" smtClean="0"/>
-              <a:t>6/27/2018</a:t>
+              <a:t>11/10/2018</a:t>
             </a:fld>
             <a:endParaRPr lang="en-US"/>
           </a:p>
@@ -2604,7 +2604,7 @@
           <a:p>
             <a:fld id="{78C97017-6FC3-485B-9764-EAC9E56C1D49}" type="datetimeFigureOut">
               <a:rPr lang="en-US" smtClean="0"/>
-              <a:t>6/27/2018</a:t>
+              <a:t>11/10/2018</a:t>
             </a:fld>
             <a:endParaRPr lang="en-US"/>
           </a:p>
@@ -2856,7 +2856,7 @@
           <a:p>
             <a:fld id="{78C97017-6FC3-485B-9764-EAC9E56C1D49}" type="datetimeFigureOut">
               <a:rPr lang="en-US" smtClean="0"/>
-              <a:t>6/27/2018</a:t>
+              <a:t>11/10/2018</a:t>
             </a:fld>
             <a:endParaRPr lang="en-US"/>
           </a:p>
@@ -3067,7 +3067,7 @@
           <a:p>
             <a:fld id="{78C97017-6FC3-485B-9764-EAC9E56C1D49}" type="datetimeFigureOut">
               <a:rPr lang="en-US" smtClean="0"/>
-              <a:t>6/27/2018</a:t>
+              <a:t>11/10/2018</a:t>
             </a:fld>
             <a:endParaRPr lang="en-US"/>
           </a:p>
@@ -3450,7 +3450,7 @@
         </p:nvSpPr>
         <p:spPr>
           <a:xfrm>
-            <a:off x="1119865" y="1600200"/>
+            <a:off x="895574" y="1600200"/>
             <a:ext cx="7490735" cy="3124200"/>
           </a:xfrm>
           <a:prstGeom prst="roundRect">
@@ -3511,7 +3511,7 @@
         </p:nvSpPr>
         <p:spPr>
           <a:xfrm>
-            <a:off x="2877180" y="3463240"/>
+            <a:off x="2652889" y="3463240"/>
             <a:ext cx="1093635" cy="346760"/>
           </a:xfrm>
           <a:prstGeom prst="rect">
@@ -3570,7 +3570,7 @@
         </p:nvSpPr>
         <p:spPr>
           <a:xfrm rot="16200000">
-            <a:off x="1661548" y="3097750"/>
+            <a:off x="1437257" y="3097750"/>
             <a:ext cx="1093635" cy="346760"/>
           </a:xfrm>
           <a:prstGeom prst="rect">
@@ -3633,7 +3633,7 @@
         </p:nvCxnSpPr>
         <p:spPr>
           <a:xfrm rot="5400000" flipH="1" flipV="1">
-            <a:off x="4131507" y="1281685"/>
+            <a:off x="3907216" y="1281685"/>
             <a:ext cx="613122" cy="4459404"/>
           </a:xfrm>
           <a:prstGeom prst="bentConnector3">
@@ -3674,7 +3674,7 @@
         </p:nvSpPr>
         <p:spPr>
           <a:xfrm rot="16200000">
-            <a:off x="956202" y="2861202"/>
+            <a:off x="731911" y="2861202"/>
             <a:ext cx="1093635" cy="346760"/>
           </a:xfrm>
           <a:prstGeom prst="rect">
@@ -3744,7 +3744,7 @@
         </p:nvSpPr>
         <p:spPr>
           <a:xfrm rot="16200000">
-            <a:off x="1626910" y="2952291"/>
+            <a:off x="1402619" y="2952291"/>
             <a:ext cx="270504" cy="175523"/>
           </a:xfrm>
           <a:prstGeom prst="triangle">
@@ -3794,7 +3794,7 @@
         </p:nvCxnSpPr>
         <p:spPr>
           <a:xfrm>
-            <a:off x="2609828" y="3636620"/>
+            <a:off x="2385537" y="3636620"/>
             <a:ext cx="267352" cy="0"/>
           </a:xfrm>
           <a:prstGeom prst="straightConnector1">
@@ -3832,7 +3832,7 @@
         </p:nvCxnSpPr>
         <p:spPr>
           <a:xfrm>
-            <a:off x="910091" y="3040053"/>
+            <a:off x="685800" y="3040053"/>
             <a:ext cx="419548" cy="2860"/>
           </a:xfrm>
           <a:prstGeom prst="bentConnector3">
@@ -3877,7 +3877,7 @@
         </p:nvCxnSpPr>
         <p:spPr>
           <a:xfrm flipV="1">
-            <a:off x="1849924" y="3040052"/>
+            <a:off x="1625633" y="3040052"/>
             <a:ext cx="216105" cy="1"/>
           </a:xfrm>
           <a:prstGeom prst="line">
@@ -3916,7 +3916,7 @@
         </p:nvSpPr>
         <p:spPr>
           <a:xfrm>
-            <a:off x="2373780" y="3549930"/>
+            <a:off x="2149489" y="3549930"/>
             <a:ext cx="236048" cy="173380"/>
           </a:xfrm>
           <a:prstGeom prst="flowChartDecision">
@@ -3961,7 +3961,7 @@
         </p:nvSpPr>
         <p:spPr>
           <a:xfrm>
-            <a:off x="2825280" y="2846162"/>
+            <a:off x="2600989" y="2846162"/>
             <a:ext cx="1490560" cy="334856"/>
           </a:xfrm>
           <a:prstGeom prst="rect">
@@ -3999,7 +3999,7 @@
                   <a:srgbClr val="7030A0"/>
                 </a:solidFill>
               </a:rPr>
-              <a:t>VersionedAddressBook</a:t>
+              <a:t>VersionedTutorHelper</a:t>
             </a:r>
             <a:endParaRPr lang="en-SG" sz="1050" dirty="0">
               <a:solidFill>
@@ -4020,7 +4020,7 @@
         </p:nvCxnSpPr>
         <p:spPr>
           <a:xfrm>
-            <a:off x="2624360" y="3003033"/>
+            <a:off x="2400069" y="3003033"/>
             <a:ext cx="200920" cy="10557"/>
           </a:xfrm>
           <a:prstGeom prst="straightConnector1">
@@ -4058,7 +4058,7 @@
         </p:nvSpPr>
         <p:spPr>
           <a:xfrm>
-            <a:off x="2388312" y="2916343"/>
+            <a:off x="2164021" y="2916343"/>
             <a:ext cx="236048" cy="173380"/>
           </a:xfrm>
           <a:prstGeom prst="flowChartDecision">
@@ -4103,7 +4103,7 @@
         </p:nvSpPr>
         <p:spPr>
           <a:xfrm>
-            <a:off x="4692650" y="2846162"/>
+            <a:off x="4468359" y="2846162"/>
             <a:ext cx="1156969" cy="346760"/>
           </a:xfrm>
           <a:prstGeom prst="rect">
@@ -4136,14 +4136,14 @@
           <a:p>
             <a:pPr algn="ctr"/>
             <a:r>
-              <a:rPr lang="en-US" sz="1050" dirty="0" err="1">
+              <a:rPr lang="en-US" sz="1000" dirty="0" err="1" smtClean="0">
                 <a:solidFill>
                   <a:srgbClr val="7030A0"/>
                 </a:solidFill>
               </a:rPr>
-              <a:t>UniquePersonList</a:t>
-            </a:r>
-            <a:endParaRPr lang="en-SG" sz="1050" dirty="0">
+              <a:t>UniqueStudentList</a:t>
+            </a:r>
+            <a:endParaRPr lang="en-SG" sz="1000" dirty="0">
               <a:solidFill>
                 <a:srgbClr val="7030A0"/>
               </a:solidFill>
@@ -4159,7 +4159,7 @@
         </p:nvSpPr>
         <p:spPr>
           <a:xfrm>
-            <a:off x="4324972" y="2920532"/>
+            <a:off x="4100681" y="2920532"/>
             <a:ext cx="236048" cy="173380"/>
           </a:xfrm>
           <a:prstGeom prst="flowChartDecision">
@@ -4206,7 +4206,7 @@
         </p:nvSpPr>
         <p:spPr>
           <a:xfrm>
-            <a:off x="6313677" y="2858066"/>
+            <a:off x="6089386" y="2858066"/>
             <a:ext cx="708186" cy="346760"/>
           </a:xfrm>
           <a:prstGeom prst="rect">
@@ -4239,12 +4239,12 @@
           <a:p>
             <a:pPr algn="ctr"/>
             <a:r>
-              <a:rPr lang="en-US" sz="1050" dirty="0">
+              <a:rPr lang="en-US" sz="1050" dirty="0" smtClean="0">
                 <a:solidFill>
                   <a:srgbClr val="7030A0"/>
                 </a:solidFill>
               </a:rPr>
-              <a:t>Person</a:t>
+              <a:t>Student</a:t>
             </a:r>
             <a:endParaRPr lang="en-SG" sz="1050" dirty="0">
               <a:solidFill>
@@ -4262,7 +4262,7 @@
         </p:nvSpPr>
         <p:spPr>
           <a:xfrm>
-            <a:off x="5858751" y="2941676"/>
+            <a:off x="5634460" y="2941676"/>
             <a:ext cx="236048" cy="173380"/>
           </a:xfrm>
           <a:prstGeom prst="flowChartDecision">
@@ -4310,7 +4310,7 @@
         </p:nvCxnSpPr>
         <p:spPr>
           <a:xfrm>
-            <a:off x="6094799" y="3028366"/>
+            <a:off x="5870508" y="3028366"/>
             <a:ext cx="218878" cy="3080"/>
           </a:xfrm>
           <a:prstGeom prst="bentConnector3">
@@ -4348,7 +4348,7 @@
         </p:nvSpPr>
         <p:spPr>
           <a:xfrm>
-            <a:off x="7712397" y="2564238"/>
+            <a:off x="7488106" y="2564238"/>
             <a:ext cx="708186" cy="285783"/>
           </a:xfrm>
           <a:prstGeom prst="rect">
@@ -4404,7 +4404,7 @@
         </p:nvSpPr>
         <p:spPr>
           <a:xfrm>
-            <a:off x="7041947" y="2948201"/>
+            <a:off x="6817656" y="2948201"/>
             <a:ext cx="236048" cy="173380"/>
           </a:xfrm>
           <a:prstGeom prst="flowChartDecision">
@@ -4453,7 +4453,7 @@
         </p:nvCxnSpPr>
         <p:spPr>
           <a:xfrm flipV="1">
-            <a:off x="7277995" y="2706821"/>
+            <a:off x="7053704" y="2706821"/>
             <a:ext cx="434402" cy="327761"/>
           </a:xfrm>
           <a:prstGeom prst="bentConnector3">
@@ -4491,7 +4491,7 @@
         </p:nvSpPr>
         <p:spPr>
           <a:xfrm>
-            <a:off x="7712397" y="2887216"/>
+            <a:off x="7488106" y="2887216"/>
             <a:ext cx="708186" cy="285783"/>
           </a:xfrm>
           <a:prstGeom prst="rect">
@@ -4550,7 +4550,7 @@
         </p:nvCxnSpPr>
         <p:spPr>
           <a:xfrm flipV="1">
-            <a:off x="7277995" y="3030108"/>
+            <a:off x="7053704" y="3030108"/>
             <a:ext cx="434402" cy="4783"/>
           </a:xfrm>
           <a:prstGeom prst="bentConnector3">
@@ -4588,7 +4588,7 @@
         </p:nvSpPr>
         <p:spPr>
           <a:xfrm>
-            <a:off x="7712397" y="3210194"/>
+            <a:off x="7488106" y="3210194"/>
             <a:ext cx="708186" cy="285783"/>
           </a:xfrm>
           <a:prstGeom prst="rect">
@@ -4647,7 +4647,7 @@
         </p:nvCxnSpPr>
         <p:spPr>
           <a:xfrm>
-            <a:off x="7277995" y="3034891"/>
+            <a:off x="7053704" y="3034891"/>
             <a:ext cx="434402" cy="318195"/>
           </a:xfrm>
           <a:prstGeom prst="bentConnector3">
@@ -4685,7 +4685,7 @@
         </p:nvSpPr>
         <p:spPr>
           <a:xfrm>
-            <a:off x="7712397" y="3533171"/>
+            <a:off x="7488106" y="3533171"/>
             <a:ext cx="708186" cy="285783"/>
           </a:xfrm>
           <a:prstGeom prst="rect">
@@ -4744,7 +4744,7 @@
         </p:nvCxnSpPr>
         <p:spPr>
           <a:xfrm>
-            <a:off x="7277995" y="3034891"/>
+            <a:off x="7053704" y="3034891"/>
             <a:ext cx="434402" cy="641172"/>
           </a:xfrm>
           <a:prstGeom prst="bentConnector3">
@@ -4784,7 +4784,7 @@
         </p:nvCxnSpPr>
         <p:spPr>
           <a:xfrm rot="5400000">
-            <a:off x="3553611" y="2687559"/>
+            <a:off x="3329320" y="2687559"/>
             <a:ext cx="293825" cy="5938"/>
           </a:xfrm>
           <a:prstGeom prst="bentConnector3">
@@ -4825,7 +4825,7 @@
         </p:nvSpPr>
         <p:spPr>
           <a:xfrm rot="10800000" flipV="1">
-            <a:off x="3562299" y="2386554"/>
+            <a:off x="3338008" y="2386554"/>
             <a:ext cx="282387" cy="157062"/>
           </a:xfrm>
           <a:prstGeom prst="triangle">
@@ -4873,7 +4873,7 @@
         </p:nvSpPr>
         <p:spPr>
           <a:xfrm>
-            <a:off x="1260922" y="1998350"/>
+            <a:off x="1036631" y="1998350"/>
             <a:ext cx="1443661" cy="364396"/>
           </a:xfrm>
           <a:prstGeom prst="rect">
@@ -4921,12 +4921,12 @@
               </a:rPr>
             </a:br>
             <a:r>
-              <a:rPr lang="en-US" sz="1050" dirty="0" err="1">
+              <a:rPr lang="en-US" sz="1050" dirty="0" err="1" smtClean="0">
                 <a:solidFill>
                   <a:srgbClr val="7030A0"/>
                 </a:solidFill>
               </a:rPr>
-              <a:t>ReadOnlyAddressBook</a:t>
+              <a:t>ReadOnlyTutorHelper</a:t>
             </a:r>
             <a:endParaRPr lang="en-SG" sz="1050" dirty="0">
               <a:solidFill>
@@ -4944,7 +4944,7 @@
         </p:nvSpPr>
         <p:spPr>
           <a:xfrm rot="16200000">
-            <a:off x="6362886" y="3586305"/>
+            <a:off x="6138595" y="3586305"/>
             <a:ext cx="881018" cy="261610"/>
           </a:xfrm>
           <a:prstGeom prst="rect">
@@ -4983,7 +4983,7 @@
         </p:nvSpPr>
         <p:spPr>
           <a:xfrm>
-            <a:off x="2057401" y="4239491"/>
+            <a:off x="1833110" y="4239491"/>
             <a:ext cx="1066800" cy="346760"/>
           </a:xfrm>
           <a:prstGeom prst="rect">
@@ -5065,7 +5065,7 @@
         </p:nvCxnSpPr>
         <p:spPr>
           <a:xfrm rot="16200000" flipH="1">
-            <a:off x="1364475" y="3719944"/>
+            <a:off x="1140184" y="3719944"/>
             <a:ext cx="831471" cy="554381"/>
           </a:xfrm>
           <a:prstGeom prst="bentConnector2">
@@ -5104,7 +5104,7 @@
         </p:nvSpPr>
         <p:spPr>
           <a:xfrm>
-            <a:off x="4429979" y="3111479"/>
+            <a:off x="4205688" y="3111479"/>
             <a:ext cx="189257" cy="178683"/>
           </a:xfrm>
           <a:prstGeom prst="rect">
@@ -5143,7 +5143,7 @@
         </p:nvSpPr>
         <p:spPr>
           <a:xfrm>
-            <a:off x="6135256" y="3097917"/>
+            <a:off x="5910965" y="3097917"/>
             <a:ext cx="189257" cy="178683"/>
           </a:xfrm>
           <a:prstGeom prst="rect">
@@ -5182,7 +5182,7 @@
         </p:nvSpPr>
         <p:spPr>
           <a:xfrm>
-            <a:off x="2573394" y="2756715"/>
+            <a:off x="2349103" y="2756715"/>
             <a:ext cx="170110" cy="137542"/>
           </a:xfrm>
           <a:prstGeom prst="rect">
@@ -5221,7 +5221,7 @@
         </p:nvSpPr>
         <p:spPr>
           <a:xfrm>
-            <a:off x="2707070" y="3667737"/>
+            <a:off x="2482779" y="3667737"/>
             <a:ext cx="189257" cy="178683"/>
           </a:xfrm>
           <a:prstGeom prst="rect">
@@ -5260,7 +5260,7 @@
         </p:nvSpPr>
         <p:spPr>
           <a:xfrm>
-            <a:off x="6449896" y="3204826"/>
+            <a:off x="6225605" y="3204826"/>
             <a:ext cx="189257" cy="178683"/>
           </a:xfrm>
           <a:prstGeom prst="rect">
@@ -5296,7 +5296,7 @@
           <p:cNvPr id="52" name="Rectangle 8">
             <a:extLst>
               <a:ext uri="{FF2B5EF4-FFF2-40B4-BE49-F238E27FC236}">
-                <a16:creationId xmlns:a16="http://schemas.microsoft.com/office/drawing/2014/main" id="{ABDCDBD2-131A-4B66-A2F2-43BBEE82C773}"/>
+                <a16:creationId xmlns:a16="http://schemas.microsoft.com/office/drawing/2014/main" xmlns="" id="{ABDCDBD2-131A-4B66-A2F2-43BBEE82C773}"/>
               </a:ext>
             </a:extLst>
           </p:cNvPr>
@@ -5305,7 +5305,7 @@
         </p:nvSpPr>
         <p:spPr>
           <a:xfrm>
-            <a:off x="7712397" y="2228817"/>
+            <a:off x="7488106" y="2228817"/>
             <a:ext cx="708186" cy="285783"/>
           </a:xfrm>
           <a:prstGeom prst="rect">
@@ -5358,7 +5358,7 @@
           <p:cNvPr id="53" name="Elbow Connector 78">
             <a:extLst>
               <a:ext uri="{FF2B5EF4-FFF2-40B4-BE49-F238E27FC236}">
-                <a16:creationId xmlns:a16="http://schemas.microsoft.com/office/drawing/2014/main" id="{B97967F8-618A-448B-81FD-CDFD4AF0EC64}"/>
+                <a16:creationId xmlns:a16="http://schemas.microsoft.com/office/drawing/2014/main" xmlns="" id="{B97967F8-618A-448B-81FD-CDFD4AF0EC64}"/>
               </a:ext>
             </a:extLst>
           </p:cNvPr>
@@ -5371,7 +5371,7 @@
         </p:nvCxnSpPr>
         <p:spPr>
           <a:xfrm flipV="1">
-            <a:off x="7277995" y="2371709"/>
+            <a:off x="7053704" y="2371709"/>
             <a:ext cx="434402" cy="663182"/>
           </a:xfrm>
           <a:prstGeom prst="bentConnector3">
@@ -5408,7 +5408,7 @@
           <p:cNvPr id="50" name="TextBox 49">
             <a:extLst>
               <a:ext uri="{FF2B5EF4-FFF2-40B4-BE49-F238E27FC236}">
-                <a16:creationId xmlns:a16="http://schemas.microsoft.com/office/drawing/2014/main" id="{B3FA9D57-880F-49C4-AD0B-A64E30D6F403}"/>
+                <a16:creationId xmlns:a16="http://schemas.microsoft.com/office/drawing/2014/main" xmlns="" id="{B3FA9D57-880F-49C4-AD0B-A64E30D6F403}"/>
               </a:ext>
             </a:extLst>
           </p:cNvPr>
@@ -5417,7 +5417,7 @@
         </p:nvSpPr>
         <p:spPr>
           <a:xfrm>
-            <a:off x="7466243" y="2255711"/>
+            <a:off x="7241952" y="2255711"/>
             <a:ext cx="189257" cy="178683"/>
           </a:xfrm>
           <a:prstGeom prst="rect">
@@ -5456,7 +5456,7 @@
         </p:nvSpPr>
         <p:spPr>
           <a:xfrm>
-            <a:off x="3170181" y="1998350"/>
+            <a:off x="2945890" y="1998350"/>
             <a:ext cx="1060683" cy="364396"/>
           </a:xfrm>
           <a:prstGeom prst="rect">
@@ -5489,12 +5489,12 @@
           <a:p>
             <a:pPr algn="ctr"/>
             <a:r>
-              <a:rPr lang="en-US" sz="1050" dirty="0" err="1">
+              <a:rPr lang="en-US" sz="1050" dirty="0" err="1" smtClean="0">
                 <a:solidFill>
                   <a:srgbClr val="7030A0"/>
                 </a:solidFill>
               </a:rPr>
-              <a:t>AddressBook</a:t>
+              <a:t>TutorHelper</a:t>
             </a:r>
             <a:endParaRPr lang="en-SG" sz="1050" dirty="0">
               <a:solidFill>
@@ -5515,7 +5515,7 @@
         </p:nvCxnSpPr>
         <p:spPr>
           <a:xfrm>
-            <a:off x="4324972" y="3007222"/>
+            <a:off x="4100681" y="3007222"/>
             <a:ext cx="367678" cy="12320"/>
           </a:xfrm>
           <a:prstGeom prst="straightConnector1">
@@ -5553,7 +5553,7 @@
         </p:nvSpPr>
         <p:spPr>
           <a:xfrm rot="16200000">
-            <a:off x="2669073" y="2069158"/>
+            <a:off x="2444782" y="2069158"/>
             <a:ext cx="271014" cy="187417"/>
           </a:xfrm>
           <a:prstGeom prst="triangle">
@@ -5608,7 +5608,7 @@
         </p:nvCxnSpPr>
         <p:spPr>
           <a:xfrm>
-            <a:off x="2898289" y="2177727"/>
+            <a:off x="2673998" y="2177727"/>
             <a:ext cx="271892" cy="2821"/>
           </a:xfrm>
           <a:prstGeom prst="bentConnector3">
@@ -5641,6 +5641,423 @@
           </a:fontRef>
         </p:style>
       </p:cxnSp>
+      <p:sp>
+        <p:nvSpPr>
+          <p:cNvPr id="56" name="Rectangle 8"/>
+          <p:cNvSpPr/>
+          <p:nvPr/>
+        </p:nvSpPr>
+        <p:spPr>
+          <a:xfrm>
+            <a:off x="7486202" y="3856278"/>
+            <a:ext cx="708186" cy="285783"/>
+          </a:xfrm>
+          <a:prstGeom prst="rect">
+            <a:avLst/>
+          </a:prstGeom>
+          <a:ln w="19050">
+            <a:solidFill>
+              <a:srgbClr val="7030A0"/>
+            </a:solidFill>
+          </a:ln>
+          <a:effectLst/>
+        </p:spPr>
+        <p:style>
+          <a:lnRef idx="1">
+            <a:schemeClr val="accent4"/>
+          </a:lnRef>
+          <a:fillRef idx="2">
+            <a:schemeClr val="accent4"/>
+          </a:fillRef>
+          <a:effectRef idx="1">
+            <a:schemeClr val="accent4"/>
+          </a:effectRef>
+          <a:fontRef idx="minor">
+            <a:schemeClr val="dk1"/>
+          </a:fontRef>
+        </p:style>
+        <p:txBody>
+          <a:bodyPr rtlCol="0" anchor="ctr"/>
+          <a:lstStyle/>
+          <a:p>
+            <a:pPr algn="ctr"/>
+            <a:r>
+              <a:rPr lang="en-SG" sz="950" dirty="0" smtClean="0">
+                <a:solidFill>
+                  <a:srgbClr val="7030A0"/>
+                </a:solidFill>
+              </a:rPr>
+              <a:t>Tuition</a:t>
+            </a:r>
+          </a:p>
+          <a:p>
+            <a:pPr algn="ctr"/>
+            <a:r>
+              <a:rPr lang="en-SG" sz="950" dirty="0" smtClean="0">
+                <a:solidFill>
+                  <a:srgbClr val="7030A0"/>
+                </a:solidFill>
+              </a:rPr>
+              <a:t>Timing</a:t>
+            </a:r>
+            <a:endParaRPr lang="en-SG" sz="950" dirty="0">
+              <a:solidFill>
+                <a:srgbClr val="7030A0"/>
+              </a:solidFill>
+            </a:endParaRPr>
+          </a:p>
+        </p:txBody>
+      </p:sp>
+      <p:sp>
+        <p:nvSpPr>
+          <p:cNvPr id="57" name="Rectangle 8">
+            <a:extLst>
+              <a:ext uri="{FF2B5EF4-FFF2-40B4-BE49-F238E27FC236}">
+                <a16:creationId xmlns:a16="http://schemas.microsoft.com/office/drawing/2014/main" xmlns="" id="{ABDCDBD2-131A-4B66-A2F2-43BBEE82C773}"/>
+              </a:ext>
+            </a:extLst>
+          </p:cNvPr>
+          <p:cNvSpPr/>
+          <p:nvPr/>
+        </p:nvSpPr>
+        <p:spPr>
+          <a:xfrm>
+            <a:off x="7486202" y="1897515"/>
+            <a:ext cx="708186" cy="285783"/>
+          </a:xfrm>
+          <a:prstGeom prst="rect">
+            <a:avLst/>
+          </a:prstGeom>
+          <a:ln w="19050">
+            <a:solidFill>
+              <a:srgbClr val="7030A0"/>
+            </a:solidFill>
+          </a:ln>
+          <a:effectLst/>
+        </p:spPr>
+        <p:style>
+          <a:lnRef idx="1">
+            <a:schemeClr val="accent4"/>
+          </a:lnRef>
+          <a:fillRef idx="2">
+            <a:schemeClr val="accent4"/>
+          </a:fillRef>
+          <a:effectRef idx="1">
+            <a:schemeClr val="accent4"/>
+          </a:effectRef>
+          <a:fontRef idx="minor">
+            <a:schemeClr val="dk1"/>
+          </a:fontRef>
+        </p:style>
+        <p:txBody>
+          <a:bodyPr rtlCol="0" anchor="ctr"/>
+          <a:lstStyle/>
+          <a:p>
+            <a:pPr algn="ctr"/>
+            <a:r>
+              <a:rPr lang="en-US" sz="1050" dirty="0" smtClean="0">
+                <a:solidFill>
+                  <a:srgbClr val="7030A0"/>
+                </a:solidFill>
+              </a:rPr>
+              <a:t>Subject</a:t>
+            </a:r>
+            <a:endParaRPr lang="en-SG" sz="1050" dirty="0">
+              <a:solidFill>
+                <a:srgbClr val="7030A0"/>
+              </a:solidFill>
+            </a:endParaRPr>
+          </a:p>
+        </p:txBody>
+      </p:sp>
+      <p:sp>
+        <p:nvSpPr>
+          <p:cNvPr id="59" name="TextBox 58">
+            <a:extLst>
+              <a:ext uri="{FF2B5EF4-FFF2-40B4-BE49-F238E27FC236}">
+                <a16:creationId xmlns:a16="http://schemas.microsoft.com/office/drawing/2014/main" xmlns="" id="{B3FA9D57-880F-49C4-AD0B-A64E30D6F403}"/>
+              </a:ext>
+            </a:extLst>
+          </p:cNvPr>
+          <p:cNvSpPr txBox="1"/>
+          <p:nvPr/>
+        </p:nvSpPr>
+        <p:spPr>
+          <a:xfrm>
+            <a:off x="7069880" y="1865860"/>
+            <a:ext cx="533400" cy="169565"/>
+          </a:xfrm>
+          <a:prstGeom prst="rect">
+            <a:avLst/>
+          </a:prstGeom>
+          <a:noFill/>
+        </p:spPr>
+        <p:txBody>
+          <a:bodyPr wrap="square" lIns="0" tIns="0" rIns="0" bIns="0" rtlCol="0">
+            <a:noAutofit/>
+          </a:bodyPr>
+          <a:lstStyle/>
+          <a:p>
+            <a:pPr algn="ctr"/>
+            <a:r>
+              <a:rPr lang="en-SG" sz="1100" dirty="0" smtClean="0">
+                <a:solidFill>
+                  <a:srgbClr val="7030A0"/>
+                </a:solidFill>
+              </a:rPr>
+              <a:t>1..*</a:t>
+            </a:r>
+            <a:endParaRPr lang="en-SG" sz="1100" dirty="0">
+              <a:solidFill>
+                <a:srgbClr val="7030A0"/>
+              </a:solidFill>
+            </a:endParaRPr>
+          </a:p>
+        </p:txBody>
+      </p:sp>
+      <p:cxnSp>
+        <p:nvCxnSpPr>
+          <p:cNvPr id="72" name="Elbow Connector 78">
+            <a:extLst>
+              <a:ext uri="{FF2B5EF4-FFF2-40B4-BE49-F238E27FC236}">
+                <a16:creationId xmlns:a16="http://schemas.microsoft.com/office/drawing/2014/main" xmlns="" id="{B97967F8-618A-448B-81FD-CDFD4AF0EC64}"/>
+              </a:ext>
+            </a:extLst>
+          </p:cNvPr>
+          <p:cNvCxnSpPr>
+            <a:cxnSpLocks/>
+            <a:stCxn id="78" idx="3"/>
+            <a:endCxn id="57" idx="1"/>
+          </p:cNvCxnSpPr>
+          <p:nvPr/>
+        </p:nvCxnSpPr>
+        <p:spPr>
+          <a:xfrm flipV="1">
+            <a:off x="7053704" y="2040407"/>
+            <a:ext cx="432498" cy="994484"/>
+          </a:xfrm>
+          <a:prstGeom prst="bentConnector3">
+            <a:avLst>
+              <a:gd name="adj1" fmla="val 50000"/>
+            </a:avLst>
+          </a:prstGeom>
+          <a:ln w="19050">
+            <a:solidFill>
+              <a:srgbClr val="7030A0"/>
+            </a:solidFill>
+            <a:headEnd type="none" w="med" len="med"/>
+            <a:tailEnd type="arrow" w="med" len="med"/>
+          </a:ln>
+          <a:effectLst/>
+        </p:spPr>
+        <p:style>
+          <a:lnRef idx="1">
+            <a:schemeClr val="accent2"/>
+          </a:lnRef>
+          <a:fillRef idx="2">
+            <a:schemeClr val="accent2"/>
+          </a:fillRef>
+          <a:effectRef idx="1">
+            <a:schemeClr val="accent2"/>
+          </a:effectRef>
+          <a:fontRef idx="minor">
+            <a:schemeClr val="dk1"/>
+          </a:fontRef>
+        </p:style>
+      </p:cxnSp>
+      <p:cxnSp>
+        <p:nvCxnSpPr>
+          <p:cNvPr id="74" name="Elbow Connector 73"/>
+          <p:cNvCxnSpPr>
+            <a:stCxn id="78" idx="3"/>
+            <a:endCxn id="56" idx="1"/>
+          </p:cNvCxnSpPr>
+          <p:nvPr/>
+        </p:nvCxnSpPr>
+        <p:spPr>
+          <a:xfrm>
+            <a:off x="7053704" y="3034891"/>
+            <a:ext cx="432498" cy="964279"/>
+          </a:xfrm>
+          <a:prstGeom prst="bentConnector3">
+            <a:avLst>
+              <a:gd name="adj1" fmla="val 50000"/>
+            </a:avLst>
+          </a:prstGeom>
+          <a:ln w="19050">
+            <a:solidFill>
+              <a:srgbClr val="7030A0"/>
+            </a:solidFill>
+            <a:headEnd type="none" w="med" len="med"/>
+            <a:tailEnd type="arrow" w="med" len="med"/>
+          </a:ln>
+          <a:effectLst/>
+        </p:spPr>
+        <p:style>
+          <a:lnRef idx="1">
+            <a:schemeClr val="accent2"/>
+          </a:lnRef>
+          <a:fillRef idx="2">
+            <a:schemeClr val="accent2"/>
+          </a:fillRef>
+          <a:effectRef idx="1">
+            <a:schemeClr val="accent2"/>
+          </a:effectRef>
+          <a:fontRef idx="minor">
+            <a:schemeClr val="dk1"/>
+          </a:fontRef>
+        </p:style>
+      </p:cxnSp>
+      <p:sp>
+        <p:nvSpPr>
+          <p:cNvPr id="77" name="Rectangle 8">
+            <a:extLst>
+              <a:ext uri="{FF2B5EF4-FFF2-40B4-BE49-F238E27FC236}">
+                <a16:creationId xmlns:a16="http://schemas.microsoft.com/office/drawing/2014/main" xmlns="" id="{ABDCDBD2-131A-4B66-A2F2-43BBEE82C773}"/>
+              </a:ext>
+            </a:extLst>
+          </p:cNvPr>
+          <p:cNvSpPr/>
+          <p:nvPr/>
+        </p:nvSpPr>
+        <p:spPr>
+          <a:xfrm>
+            <a:off x="7486202" y="4186571"/>
+            <a:ext cx="708186" cy="285783"/>
+          </a:xfrm>
+          <a:prstGeom prst="rect">
+            <a:avLst/>
+          </a:prstGeom>
+          <a:ln w="19050">
+            <a:solidFill>
+              <a:srgbClr val="7030A0"/>
+            </a:solidFill>
+          </a:ln>
+          <a:effectLst/>
+        </p:spPr>
+        <p:style>
+          <a:lnRef idx="1">
+            <a:schemeClr val="accent4"/>
+          </a:lnRef>
+          <a:fillRef idx="2">
+            <a:schemeClr val="accent4"/>
+          </a:fillRef>
+          <a:effectRef idx="1">
+            <a:schemeClr val="accent4"/>
+          </a:effectRef>
+          <a:fontRef idx="minor">
+            <a:schemeClr val="dk1"/>
+          </a:fontRef>
+        </p:style>
+        <p:txBody>
+          <a:bodyPr rtlCol="0" anchor="ctr"/>
+          <a:lstStyle/>
+          <a:p>
+            <a:pPr algn="ctr"/>
+            <a:r>
+              <a:rPr lang="en-US" sz="1050" dirty="0" smtClean="0">
+                <a:solidFill>
+                  <a:srgbClr val="7030A0"/>
+                </a:solidFill>
+              </a:rPr>
+              <a:t>Payment</a:t>
+            </a:r>
+            <a:endParaRPr lang="en-SG" sz="1050" dirty="0">
+              <a:solidFill>
+                <a:srgbClr val="7030A0"/>
+              </a:solidFill>
+            </a:endParaRPr>
+          </a:p>
+        </p:txBody>
+      </p:sp>
+      <p:cxnSp>
+        <p:nvCxnSpPr>
+          <p:cNvPr id="82" name="Elbow Connector 81"/>
+          <p:cNvCxnSpPr>
+            <a:stCxn id="78" idx="3"/>
+            <a:endCxn id="77" idx="1"/>
+          </p:cNvCxnSpPr>
+          <p:nvPr/>
+        </p:nvCxnSpPr>
+        <p:spPr>
+          <a:xfrm>
+            <a:off x="7053704" y="3034891"/>
+            <a:ext cx="432498" cy="1294572"/>
+          </a:xfrm>
+          <a:prstGeom prst="bentConnector3">
+            <a:avLst>
+              <a:gd name="adj1" fmla="val 50000"/>
+            </a:avLst>
+          </a:prstGeom>
+          <a:ln w="19050">
+            <a:solidFill>
+              <a:srgbClr val="7030A0"/>
+            </a:solidFill>
+            <a:headEnd type="none" w="med" len="med"/>
+            <a:tailEnd type="arrow" w="med" len="med"/>
+          </a:ln>
+          <a:effectLst/>
+        </p:spPr>
+        <p:style>
+          <a:lnRef idx="1">
+            <a:schemeClr val="accent2"/>
+          </a:lnRef>
+          <a:fillRef idx="2">
+            <a:schemeClr val="accent2"/>
+          </a:fillRef>
+          <a:effectRef idx="1">
+            <a:schemeClr val="accent2"/>
+          </a:effectRef>
+          <a:fontRef idx="minor">
+            <a:schemeClr val="dk1"/>
+          </a:fontRef>
+        </p:style>
+      </p:cxnSp>
+      <p:sp>
+        <p:nvSpPr>
+          <p:cNvPr id="87" name="TextBox 86">
+            <a:extLst>
+              <a:ext uri="{FF2B5EF4-FFF2-40B4-BE49-F238E27FC236}">
+                <a16:creationId xmlns:a16="http://schemas.microsoft.com/office/drawing/2014/main" xmlns="" id="{B3FA9D57-880F-49C4-AD0B-A64E30D6F403}"/>
+              </a:ext>
+            </a:extLst>
+          </p:cNvPr>
+          <p:cNvSpPr txBox="1"/>
+          <p:nvPr/>
+        </p:nvSpPr>
+        <p:spPr>
+          <a:xfrm>
+            <a:off x="7225842" y="4370728"/>
+            <a:ext cx="249286" cy="164973"/>
+          </a:xfrm>
+          <a:prstGeom prst="rect">
+            <a:avLst/>
+          </a:prstGeom>
+          <a:noFill/>
+        </p:spPr>
+        <p:txBody>
+          <a:bodyPr wrap="square" lIns="0" tIns="0" rIns="0" bIns="0" rtlCol="0">
+            <a:noAutofit/>
+          </a:bodyPr>
+          <a:lstStyle/>
+          <a:p>
+            <a:pPr algn="ctr"/>
+            <a:r>
+              <a:rPr lang="en-SG" sz="1100" dirty="0" smtClean="0">
+                <a:solidFill>
+                  <a:srgbClr val="7030A0"/>
+                </a:solidFill>
+              </a:rPr>
+              <a:t>0..5</a:t>
+            </a:r>
+            <a:endParaRPr lang="en-SG" sz="1100" dirty="0">
+              <a:solidFill>
+                <a:srgbClr val="7030A0"/>
+              </a:solidFill>
+            </a:endParaRPr>
+          </a:p>
+        </p:txBody>
+      </p:sp>
     </p:spTree>
     <p:extLst>
       <p:ext uri="{BB962C8B-B14F-4D97-AF65-F5344CB8AC3E}">

--- a/docs/diagrams/ModelComponentClassDiagram.pptx
+++ b/docs/diagrams/ModelComponentClassDiagram.pptx
@@ -208,7 +208,7 @@
           <a:p>
             <a:fld id="{F5CC4B3F-88C1-4FFA-B1B6-F41C21DC6924}" type="datetimeFigureOut">
               <a:rPr lang="en-US" smtClean="0"/>
-              <a:t>11/10/2018</a:t>
+              <a:t>6/27/2018</a:t>
             </a:fld>
             <a:endParaRPr lang="en-US"/>
           </a:p>
@@ -654,7 +654,7 @@
           <a:p>
             <a:fld id="{78C97017-6FC3-485B-9764-EAC9E56C1D49}" type="datetimeFigureOut">
               <a:rPr lang="en-US" smtClean="0"/>
-              <a:t>11/10/2018</a:t>
+              <a:t>6/27/2018</a:t>
             </a:fld>
             <a:endParaRPr lang="en-US"/>
           </a:p>
@@ -822,7 +822,7 @@
           <a:p>
             <a:fld id="{78C97017-6FC3-485B-9764-EAC9E56C1D49}" type="datetimeFigureOut">
               <a:rPr lang="en-US" smtClean="0"/>
-              <a:t>11/10/2018</a:t>
+              <a:t>6/27/2018</a:t>
             </a:fld>
             <a:endParaRPr lang="en-US"/>
           </a:p>
@@ -1000,7 +1000,7 @@
           <a:p>
             <a:fld id="{78C97017-6FC3-485B-9764-EAC9E56C1D49}" type="datetimeFigureOut">
               <a:rPr lang="en-US" smtClean="0"/>
-              <a:t>11/10/2018</a:t>
+              <a:t>6/27/2018</a:t>
             </a:fld>
             <a:endParaRPr lang="en-US"/>
           </a:p>
@@ -1168,7 +1168,7 @@
           <a:p>
             <a:fld id="{78C97017-6FC3-485B-9764-EAC9E56C1D49}" type="datetimeFigureOut">
               <a:rPr lang="en-US" smtClean="0"/>
-              <a:t>11/10/2018</a:t>
+              <a:t>6/27/2018</a:t>
             </a:fld>
             <a:endParaRPr lang="en-US"/>
           </a:p>
@@ -1413,7 +1413,7 @@
           <a:p>
             <a:fld id="{78C97017-6FC3-485B-9764-EAC9E56C1D49}" type="datetimeFigureOut">
               <a:rPr lang="en-US" smtClean="0"/>
-              <a:t>11/10/2018</a:t>
+              <a:t>6/27/2018</a:t>
             </a:fld>
             <a:endParaRPr lang="en-US"/>
           </a:p>
@@ -1698,7 +1698,7 @@
           <a:p>
             <a:fld id="{78C97017-6FC3-485B-9764-EAC9E56C1D49}" type="datetimeFigureOut">
               <a:rPr lang="en-US" smtClean="0"/>
-              <a:t>11/10/2018</a:t>
+              <a:t>6/27/2018</a:t>
             </a:fld>
             <a:endParaRPr lang="en-US"/>
           </a:p>
@@ -2117,7 +2117,7 @@
           <a:p>
             <a:fld id="{78C97017-6FC3-485B-9764-EAC9E56C1D49}" type="datetimeFigureOut">
               <a:rPr lang="en-US" smtClean="0"/>
-              <a:t>11/10/2018</a:t>
+              <a:t>6/27/2018</a:t>
             </a:fld>
             <a:endParaRPr lang="en-US"/>
           </a:p>
@@ -2234,7 +2234,7 @@
           <a:p>
             <a:fld id="{78C97017-6FC3-485B-9764-EAC9E56C1D49}" type="datetimeFigureOut">
               <a:rPr lang="en-US" smtClean="0"/>
-              <a:t>11/10/2018</a:t>
+              <a:t>6/27/2018</a:t>
             </a:fld>
             <a:endParaRPr lang="en-US"/>
           </a:p>
@@ -2329,7 +2329,7 @@
           <a:p>
             <a:fld id="{78C97017-6FC3-485B-9764-EAC9E56C1D49}" type="datetimeFigureOut">
               <a:rPr lang="en-US" smtClean="0"/>
-              <a:t>11/10/2018</a:t>
+              <a:t>6/27/2018</a:t>
             </a:fld>
             <a:endParaRPr lang="en-US"/>
           </a:p>
@@ -2604,7 +2604,7 @@
           <a:p>
             <a:fld id="{78C97017-6FC3-485B-9764-EAC9E56C1D49}" type="datetimeFigureOut">
               <a:rPr lang="en-US" smtClean="0"/>
-              <a:t>11/10/2018</a:t>
+              <a:t>6/27/2018</a:t>
             </a:fld>
             <a:endParaRPr lang="en-US"/>
           </a:p>
@@ -2856,7 +2856,7 @@
           <a:p>
             <a:fld id="{78C97017-6FC3-485B-9764-EAC9E56C1D49}" type="datetimeFigureOut">
               <a:rPr lang="en-US" smtClean="0"/>
-              <a:t>11/10/2018</a:t>
+              <a:t>6/27/2018</a:t>
             </a:fld>
             <a:endParaRPr lang="en-US"/>
           </a:p>
@@ -3067,7 +3067,7 @@
           <a:p>
             <a:fld id="{78C97017-6FC3-485B-9764-EAC9E56C1D49}" type="datetimeFigureOut">
               <a:rPr lang="en-US" smtClean="0"/>
-              <a:t>11/10/2018</a:t>
+              <a:t>6/27/2018</a:t>
             </a:fld>
             <a:endParaRPr lang="en-US"/>
           </a:p>
@@ -3450,7 +3450,7 @@
         </p:nvSpPr>
         <p:spPr>
           <a:xfrm>
-            <a:off x="895574" y="1600200"/>
+            <a:off x="1119865" y="1600200"/>
             <a:ext cx="7490735" cy="3124200"/>
           </a:xfrm>
           <a:prstGeom prst="roundRect">
@@ -3511,7 +3511,7 @@
         </p:nvSpPr>
         <p:spPr>
           <a:xfrm>
-            <a:off x="2652889" y="3463240"/>
+            <a:off x="2877180" y="3463240"/>
             <a:ext cx="1093635" cy="346760"/>
           </a:xfrm>
           <a:prstGeom prst="rect">
@@ -3570,7 +3570,7 @@
         </p:nvSpPr>
         <p:spPr>
           <a:xfrm rot="16200000">
-            <a:off x="1437257" y="3097750"/>
+            <a:off x="1661548" y="3097750"/>
             <a:ext cx="1093635" cy="346760"/>
           </a:xfrm>
           <a:prstGeom prst="rect">
@@ -3633,7 +3633,7 @@
         </p:nvCxnSpPr>
         <p:spPr>
           <a:xfrm rot="5400000" flipH="1" flipV="1">
-            <a:off x="3907216" y="1281685"/>
+            <a:off x="4131507" y="1281685"/>
             <a:ext cx="613122" cy="4459404"/>
           </a:xfrm>
           <a:prstGeom prst="bentConnector3">
@@ -3674,7 +3674,7 @@
         </p:nvSpPr>
         <p:spPr>
           <a:xfrm rot="16200000">
-            <a:off x="731911" y="2861202"/>
+            <a:off x="956202" y="2861202"/>
             <a:ext cx="1093635" cy="346760"/>
           </a:xfrm>
           <a:prstGeom prst="rect">
@@ -3744,7 +3744,7 @@
         </p:nvSpPr>
         <p:spPr>
           <a:xfrm rot="16200000">
-            <a:off x="1402619" y="2952291"/>
+            <a:off x="1626910" y="2952291"/>
             <a:ext cx="270504" cy="175523"/>
           </a:xfrm>
           <a:prstGeom prst="triangle">
@@ -3794,7 +3794,7 @@
         </p:nvCxnSpPr>
         <p:spPr>
           <a:xfrm>
-            <a:off x="2385537" y="3636620"/>
+            <a:off x="2609828" y="3636620"/>
             <a:ext cx="267352" cy="0"/>
           </a:xfrm>
           <a:prstGeom prst="straightConnector1">
@@ -3832,7 +3832,7 @@
         </p:nvCxnSpPr>
         <p:spPr>
           <a:xfrm>
-            <a:off x="685800" y="3040053"/>
+            <a:off x="910091" y="3040053"/>
             <a:ext cx="419548" cy="2860"/>
           </a:xfrm>
           <a:prstGeom prst="bentConnector3">
@@ -3877,7 +3877,7 @@
         </p:nvCxnSpPr>
         <p:spPr>
           <a:xfrm flipV="1">
-            <a:off x="1625633" y="3040052"/>
+            <a:off x="1849924" y="3040052"/>
             <a:ext cx="216105" cy="1"/>
           </a:xfrm>
           <a:prstGeom prst="line">
@@ -3916,7 +3916,7 @@
         </p:nvSpPr>
         <p:spPr>
           <a:xfrm>
-            <a:off x="2149489" y="3549930"/>
+            <a:off x="2373780" y="3549930"/>
             <a:ext cx="236048" cy="173380"/>
           </a:xfrm>
           <a:prstGeom prst="flowChartDecision">
@@ -3961,7 +3961,7 @@
         </p:nvSpPr>
         <p:spPr>
           <a:xfrm>
-            <a:off x="2600989" y="2846162"/>
+            <a:off x="2825280" y="2846162"/>
             <a:ext cx="1490560" cy="334856"/>
           </a:xfrm>
           <a:prstGeom prst="rect">
@@ -3999,7 +3999,7 @@
                   <a:srgbClr val="7030A0"/>
                 </a:solidFill>
               </a:rPr>
-              <a:t>VersionedTutorHelper</a:t>
+              <a:t>VersionedAddressBook</a:t>
             </a:r>
             <a:endParaRPr lang="en-SG" sz="1050" dirty="0">
               <a:solidFill>
@@ -4020,7 +4020,7 @@
         </p:nvCxnSpPr>
         <p:spPr>
           <a:xfrm>
-            <a:off x="2400069" y="3003033"/>
+            <a:off x="2624360" y="3003033"/>
             <a:ext cx="200920" cy="10557"/>
           </a:xfrm>
           <a:prstGeom prst="straightConnector1">
@@ -4058,7 +4058,7 @@
         </p:nvSpPr>
         <p:spPr>
           <a:xfrm>
-            <a:off x="2164021" y="2916343"/>
+            <a:off x="2388312" y="2916343"/>
             <a:ext cx="236048" cy="173380"/>
           </a:xfrm>
           <a:prstGeom prst="flowChartDecision">
@@ -4103,7 +4103,7 @@
         </p:nvSpPr>
         <p:spPr>
           <a:xfrm>
-            <a:off x="4468359" y="2846162"/>
+            <a:off x="4692650" y="2846162"/>
             <a:ext cx="1156969" cy="346760"/>
           </a:xfrm>
           <a:prstGeom prst="rect">
@@ -4136,14 +4136,14 @@
           <a:p>
             <a:pPr algn="ctr"/>
             <a:r>
-              <a:rPr lang="en-US" sz="1000" dirty="0" err="1" smtClean="0">
+              <a:rPr lang="en-US" sz="1050" dirty="0" err="1">
                 <a:solidFill>
                   <a:srgbClr val="7030A0"/>
                 </a:solidFill>
               </a:rPr>
-              <a:t>UniqueStudentList</a:t>
-            </a:r>
-            <a:endParaRPr lang="en-SG" sz="1000" dirty="0">
+              <a:t>UniquePersonList</a:t>
+            </a:r>
+            <a:endParaRPr lang="en-SG" sz="1050" dirty="0">
               <a:solidFill>
                 <a:srgbClr val="7030A0"/>
               </a:solidFill>
@@ -4159,7 +4159,7 @@
         </p:nvSpPr>
         <p:spPr>
           <a:xfrm>
-            <a:off x="4100681" y="2920532"/>
+            <a:off x="4324972" y="2920532"/>
             <a:ext cx="236048" cy="173380"/>
           </a:xfrm>
           <a:prstGeom prst="flowChartDecision">
@@ -4206,7 +4206,7 @@
         </p:nvSpPr>
         <p:spPr>
           <a:xfrm>
-            <a:off x="6089386" y="2858066"/>
+            <a:off x="6313677" y="2858066"/>
             <a:ext cx="708186" cy="346760"/>
           </a:xfrm>
           <a:prstGeom prst="rect">
@@ -4239,12 +4239,12 @@
           <a:p>
             <a:pPr algn="ctr"/>
             <a:r>
-              <a:rPr lang="en-US" sz="1050" dirty="0" smtClean="0">
+              <a:rPr lang="en-US" sz="1050" dirty="0">
                 <a:solidFill>
                   <a:srgbClr val="7030A0"/>
                 </a:solidFill>
               </a:rPr>
-              <a:t>Student</a:t>
+              <a:t>Person</a:t>
             </a:r>
             <a:endParaRPr lang="en-SG" sz="1050" dirty="0">
               <a:solidFill>
@@ -4262,7 +4262,7 @@
         </p:nvSpPr>
         <p:spPr>
           <a:xfrm>
-            <a:off x="5634460" y="2941676"/>
+            <a:off x="5858751" y="2941676"/>
             <a:ext cx="236048" cy="173380"/>
           </a:xfrm>
           <a:prstGeom prst="flowChartDecision">
@@ -4310,7 +4310,7 @@
         </p:nvCxnSpPr>
         <p:spPr>
           <a:xfrm>
-            <a:off x="5870508" y="3028366"/>
+            <a:off x="6094799" y="3028366"/>
             <a:ext cx="218878" cy="3080"/>
           </a:xfrm>
           <a:prstGeom prst="bentConnector3">
@@ -4348,7 +4348,7 @@
         </p:nvSpPr>
         <p:spPr>
           <a:xfrm>
-            <a:off x="7488106" y="2564238"/>
+            <a:off x="7712397" y="2564238"/>
             <a:ext cx="708186" cy="285783"/>
           </a:xfrm>
           <a:prstGeom prst="rect">
@@ -4404,7 +4404,7 @@
         </p:nvSpPr>
         <p:spPr>
           <a:xfrm>
-            <a:off x="6817656" y="2948201"/>
+            <a:off x="7041947" y="2948201"/>
             <a:ext cx="236048" cy="173380"/>
           </a:xfrm>
           <a:prstGeom prst="flowChartDecision">
@@ -4453,7 +4453,7 @@
         </p:nvCxnSpPr>
         <p:spPr>
           <a:xfrm flipV="1">
-            <a:off x="7053704" y="2706821"/>
+            <a:off x="7277995" y="2706821"/>
             <a:ext cx="434402" cy="327761"/>
           </a:xfrm>
           <a:prstGeom prst="bentConnector3">
@@ -4491,7 +4491,7 @@
         </p:nvSpPr>
         <p:spPr>
           <a:xfrm>
-            <a:off x="7488106" y="2887216"/>
+            <a:off x="7712397" y="2887216"/>
             <a:ext cx="708186" cy="285783"/>
           </a:xfrm>
           <a:prstGeom prst="rect">
@@ -4550,7 +4550,7 @@
         </p:nvCxnSpPr>
         <p:spPr>
           <a:xfrm flipV="1">
-            <a:off x="7053704" y="3030108"/>
+            <a:off x="7277995" y="3030108"/>
             <a:ext cx="434402" cy="4783"/>
           </a:xfrm>
           <a:prstGeom prst="bentConnector3">
@@ -4588,7 +4588,7 @@
         </p:nvSpPr>
         <p:spPr>
           <a:xfrm>
-            <a:off x="7488106" y="3210194"/>
+            <a:off x="7712397" y="3210194"/>
             <a:ext cx="708186" cy="285783"/>
           </a:xfrm>
           <a:prstGeom prst="rect">
@@ -4647,7 +4647,7 @@
         </p:nvCxnSpPr>
         <p:spPr>
           <a:xfrm>
-            <a:off x="7053704" y="3034891"/>
+            <a:off x="7277995" y="3034891"/>
             <a:ext cx="434402" cy="318195"/>
           </a:xfrm>
           <a:prstGeom prst="bentConnector3">
@@ -4685,7 +4685,7 @@
         </p:nvSpPr>
         <p:spPr>
           <a:xfrm>
-            <a:off x="7488106" y="3533171"/>
+            <a:off x="7712397" y="3533171"/>
             <a:ext cx="708186" cy="285783"/>
           </a:xfrm>
           <a:prstGeom prst="rect">
@@ -4744,7 +4744,7 @@
         </p:nvCxnSpPr>
         <p:spPr>
           <a:xfrm>
-            <a:off x="7053704" y="3034891"/>
+            <a:off x="7277995" y="3034891"/>
             <a:ext cx="434402" cy="641172"/>
           </a:xfrm>
           <a:prstGeom prst="bentConnector3">
@@ -4784,7 +4784,7 @@
         </p:nvCxnSpPr>
         <p:spPr>
           <a:xfrm rot="5400000">
-            <a:off x="3329320" y="2687559"/>
+            <a:off x="3553611" y="2687559"/>
             <a:ext cx="293825" cy="5938"/>
           </a:xfrm>
           <a:prstGeom prst="bentConnector3">
@@ -4825,7 +4825,7 @@
         </p:nvSpPr>
         <p:spPr>
           <a:xfrm rot="10800000" flipV="1">
-            <a:off x="3338008" y="2386554"/>
+            <a:off x="3562299" y="2386554"/>
             <a:ext cx="282387" cy="157062"/>
           </a:xfrm>
           <a:prstGeom prst="triangle">
@@ -4873,7 +4873,7 @@
         </p:nvSpPr>
         <p:spPr>
           <a:xfrm>
-            <a:off x="1036631" y="1998350"/>
+            <a:off x="1260922" y="1998350"/>
             <a:ext cx="1443661" cy="364396"/>
           </a:xfrm>
           <a:prstGeom prst="rect">
@@ -4921,12 +4921,12 @@
               </a:rPr>
             </a:br>
             <a:r>
-              <a:rPr lang="en-US" sz="1050" dirty="0" err="1" smtClean="0">
+              <a:rPr lang="en-US" sz="1050" dirty="0" err="1">
                 <a:solidFill>
                   <a:srgbClr val="7030A0"/>
                 </a:solidFill>
               </a:rPr>
-              <a:t>ReadOnlyTutorHelper</a:t>
+              <a:t>ReadOnlyAddressBook</a:t>
             </a:r>
             <a:endParaRPr lang="en-SG" sz="1050" dirty="0">
               <a:solidFill>
@@ -4944,7 +4944,7 @@
         </p:nvSpPr>
         <p:spPr>
           <a:xfrm rot="16200000">
-            <a:off x="6138595" y="3586305"/>
+            <a:off x="6362886" y="3586305"/>
             <a:ext cx="881018" cy="261610"/>
           </a:xfrm>
           <a:prstGeom prst="rect">
@@ -4983,7 +4983,7 @@
         </p:nvSpPr>
         <p:spPr>
           <a:xfrm>
-            <a:off x="1833110" y="4239491"/>
+            <a:off x="2057401" y="4239491"/>
             <a:ext cx="1066800" cy="346760"/>
           </a:xfrm>
           <a:prstGeom prst="rect">
@@ -5065,7 +5065,7 @@
         </p:nvCxnSpPr>
         <p:spPr>
           <a:xfrm rot="16200000" flipH="1">
-            <a:off x="1140184" y="3719944"/>
+            <a:off x="1364475" y="3719944"/>
             <a:ext cx="831471" cy="554381"/>
           </a:xfrm>
           <a:prstGeom prst="bentConnector2">
@@ -5104,7 +5104,7 @@
         </p:nvSpPr>
         <p:spPr>
           <a:xfrm>
-            <a:off x="4205688" y="3111479"/>
+            <a:off x="4429979" y="3111479"/>
             <a:ext cx="189257" cy="178683"/>
           </a:xfrm>
           <a:prstGeom prst="rect">
@@ -5143,7 +5143,7 @@
         </p:nvSpPr>
         <p:spPr>
           <a:xfrm>
-            <a:off x="5910965" y="3097917"/>
+            <a:off x="6135256" y="3097917"/>
             <a:ext cx="189257" cy="178683"/>
           </a:xfrm>
           <a:prstGeom prst="rect">
@@ -5182,7 +5182,7 @@
         </p:nvSpPr>
         <p:spPr>
           <a:xfrm>
-            <a:off x="2349103" y="2756715"/>
+            <a:off x="2573394" y="2756715"/>
             <a:ext cx="170110" cy="137542"/>
           </a:xfrm>
           <a:prstGeom prst="rect">
@@ -5221,7 +5221,7 @@
         </p:nvSpPr>
         <p:spPr>
           <a:xfrm>
-            <a:off x="2482779" y="3667737"/>
+            <a:off x="2707070" y="3667737"/>
             <a:ext cx="189257" cy="178683"/>
           </a:xfrm>
           <a:prstGeom prst="rect">
@@ -5260,7 +5260,7 @@
         </p:nvSpPr>
         <p:spPr>
           <a:xfrm>
-            <a:off x="6225605" y="3204826"/>
+            <a:off x="6449896" y="3204826"/>
             <a:ext cx="189257" cy="178683"/>
           </a:xfrm>
           <a:prstGeom prst="rect">
@@ -5296,7 +5296,7 @@
           <p:cNvPr id="52" name="Rectangle 8">
             <a:extLst>
               <a:ext uri="{FF2B5EF4-FFF2-40B4-BE49-F238E27FC236}">
-                <a16:creationId xmlns:a16="http://schemas.microsoft.com/office/drawing/2014/main" xmlns="" id="{ABDCDBD2-131A-4B66-A2F2-43BBEE82C773}"/>
+                <a16:creationId xmlns:a16="http://schemas.microsoft.com/office/drawing/2014/main" id="{ABDCDBD2-131A-4B66-A2F2-43BBEE82C773}"/>
               </a:ext>
             </a:extLst>
           </p:cNvPr>
@@ -5305,7 +5305,7 @@
         </p:nvSpPr>
         <p:spPr>
           <a:xfrm>
-            <a:off x="7488106" y="2228817"/>
+            <a:off x="7712397" y="2228817"/>
             <a:ext cx="708186" cy="285783"/>
           </a:xfrm>
           <a:prstGeom prst="rect">
@@ -5358,7 +5358,7 @@
           <p:cNvPr id="53" name="Elbow Connector 78">
             <a:extLst>
               <a:ext uri="{FF2B5EF4-FFF2-40B4-BE49-F238E27FC236}">
-                <a16:creationId xmlns:a16="http://schemas.microsoft.com/office/drawing/2014/main" xmlns="" id="{B97967F8-618A-448B-81FD-CDFD4AF0EC64}"/>
+                <a16:creationId xmlns:a16="http://schemas.microsoft.com/office/drawing/2014/main" id="{B97967F8-618A-448B-81FD-CDFD4AF0EC64}"/>
               </a:ext>
             </a:extLst>
           </p:cNvPr>
@@ -5371,7 +5371,7 @@
         </p:nvCxnSpPr>
         <p:spPr>
           <a:xfrm flipV="1">
-            <a:off x="7053704" y="2371709"/>
+            <a:off x="7277995" y="2371709"/>
             <a:ext cx="434402" cy="663182"/>
           </a:xfrm>
           <a:prstGeom prst="bentConnector3">
@@ -5408,7 +5408,7 @@
           <p:cNvPr id="50" name="TextBox 49">
             <a:extLst>
               <a:ext uri="{FF2B5EF4-FFF2-40B4-BE49-F238E27FC236}">
-                <a16:creationId xmlns:a16="http://schemas.microsoft.com/office/drawing/2014/main" xmlns="" id="{B3FA9D57-880F-49C4-AD0B-A64E30D6F403}"/>
+                <a16:creationId xmlns:a16="http://schemas.microsoft.com/office/drawing/2014/main" id="{B3FA9D57-880F-49C4-AD0B-A64E30D6F403}"/>
               </a:ext>
             </a:extLst>
           </p:cNvPr>
@@ -5417,7 +5417,7 @@
         </p:nvSpPr>
         <p:spPr>
           <a:xfrm>
-            <a:off x="7241952" y="2255711"/>
+            <a:off x="7466243" y="2255711"/>
             <a:ext cx="189257" cy="178683"/>
           </a:xfrm>
           <a:prstGeom prst="rect">
@@ -5456,7 +5456,7 @@
         </p:nvSpPr>
         <p:spPr>
           <a:xfrm>
-            <a:off x="2945890" y="1998350"/>
+            <a:off x="3170181" y="1998350"/>
             <a:ext cx="1060683" cy="364396"/>
           </a:xfrm>
           <a:prstGeom prst="rect">
@@ -5489,12 +5489,12 @@
           <a:p>
             <a:pPr algn="ctr"/>
             <a:r>
-              <a:rPr lang="en-US" sz="1050" dirty="0" err="1" smtClean="0">
+              <a:rPr lang="en-US" sz="1050" dirty="0" err="1">
                 <a:solidFill>
                   <a:srgbClr val="7030A0"/>
                 </a:solidFill>
               </a:rPr>
-              <a:t>TutorHelper</a:t>
+              <a:t>AddressBook</a:t>
             </a:r>
             <a:endParaRPr lang="en-SG" sz="1050" dirty="0">
               <a:solidFill>
@@ -5515,7 +5515,7 @@
         </p:nvCxnSpPr>
         <p:spPr>
           <a:xfrm>
-            <a:off x="4100681" y="3007222"/>
+            <a:off x="4324972" y="3007222"/>
             <a:ext cx="367678" cy="12320"/>
           </a:xfrm>
           <a:prstGeom prst="straightConnector1">
@@ -5553,7 +5553,7 @@
         </p:nvSpPr>
         <p:spPr>
           <a:xfrm rot="16200000">
-            <a:off x="2444782" y="2069158"/>
+            <a:off x="2669073" y="2069158"/>
             <a:ext cx="271014" cy="187417"/>
           </a:xfrm>
           <a:prstGeom prst="triangle">
@@ -5608,7 +5608,7 @@
         </p:nvCxnSpPr>
         <p:spPr>
           <a:xfrm>
-            <a:off x="2673998" y="2177727"/>
+            <a:off x="2898289" y="2177727"/>
             <a:ext cx="271892" cy="2821"/>
           </a:xfrm>
           <a:prstGeom prst="bentConnector3">
@@ -5641,423 +5641,6 @@
           </a:fontRef>
         </p:style>
       </p:cxnSp>
-      <p:sp>
-        <p:nvSpPr>
-          <p:cNvPr id="56" name="Rectangle 8"/>
-          <p:cNvSpPr/>
-          <p:nvPr/>
-        </p:nvSpPr>
-        <p:spPr>
-          <a:xfrm>
-            <a:off x="7486202" y="3856278"/>
-            <a:ext cx="708186" cy="285783"/>
-          </a:xfrm>
-          <a:prstGeom prst="rect">
-            <a:avLst/>
-          </a:prstGeom>
-          <a:ln w="19050">
-            <a:solidFill>
-              <a:srgbClr val="7030A0"/>
-            </a:solidFill>
-          </a:ln>
-          <a:effectLst/>
-        </p:spPr>
-        <p:style>
-          <a:lnRef idx="1">
-            <a:schemeClr val="accent4"/>
-          </a:lnRef>
-          <a:fillRef idx="2">
-            <a:schemeClr val="accent4"/>
-          </a:fillRef>
-          <a:effectRef idx="1">
-            <a:schemeClr val="accent4"/>
-          </a:effectRef>
-          <a:fontRef idx="minor">
-            <a:schemeClr val="dk1"/>
-          </a:fontRef>
-        </p:style>
-        <p:txBody>
-          <a:bodyPr rtlCol="0" anchor="ctr"/>
-          <a:lstStyle/>
-          <a:p>
-            <a:pPr algn="ctr"/>
-            <a:r>
-              <a:rPr lang="en-SG" sz="950" dirty="0" smtClean="0">
-                <a:solidFill>
-                  <a:srgbClr val="7030A0"/>
-                </a:solidFill>
-              </a:rPr>
-              <a:t>Tuition</a:t>
-            </a:r>
-          </a:p>
-          <a:p>
-            <a:pPr algn="ctr"/>
-            <a:r>
-              <a:rPr lang="en-SG" sz="950" dirty="0" smtClean="0">
-                <a:solidFill>
-                  <a:srgbClr val="7030A0"/>
-                </a:solidFill>
-              </a:rPr>
-              <a:t>Timing</a:t>
-            </a:r>
-            <a:endParaRPr lang="en-SG" sz="950" dirty="0">
-              <a:solidFill>
-                <a:srgbClr val="7030A0"/>
-              </a:solidFill>
-            </a:endParaRPr>
-          </a:p>
-        </p:txBody>
-      </p:sp>
-      <p:sp>
-        <p:nvSpPr>
-          <p:cNvPr id="57" name="Rectangle 8">
-            <a:extLst>
-              <a:ext uri="{FF2B5EF4-FFF2-40B4-BE49-F238E27FC236}">
-                <a16:creationId xmlns:a16="http://schemas.microsoft.com/office/drawing/2014/main" xmlns="" id="{ABDCDBD2-131A-4B66-A2F2-43BBEE82C773}"/>
-              </a:ext>
-            </a:extLst>
-          </p:cNvPr>
-          <p:cNvSpPr/>
-          <p:nvPr/>
-        </p:nvSpPr>
-        <p:spPr>
-          <a:xfrm>
-            <a:off x="7486202" y="1897515"/>
-            <a:ext cx="708186" cy="285783"/>
-          </a:xfrm>
-          <a:prstGeom prst="rect">
-            <a:avLst/>
-          </a:prstGeom>
-          <a:ln w="19050">
-            <a:solidFill>
-              <a:srgbClr val="7030A0"/>
-            </a:solidFill>
-          </a:ln>
-          <a:effectLst/>
-        </p:spPr>
-        <p:style>
-          <a:lnRef idx="1">
-            <a:schemeClr val="accent4"/>
-          </a:lnRef>
-          <a:fillRef idx="2">
-            <a:schemeClr val="accent4"/>
-          </a:fillRef>
-          <a:effectRef idx="1">
-            <a:schemeClr val="accent4"/>
-          </a:effectRef>
-          <a:fontRef idx="minor">
-            <a:schemeClr val="dk1"/>
-          </a:fontRef>
-        </p:style>
-        <p:txBody>
-          <a:bodyPr rtlCol="0" anchor="ctr"/>
-          <a:lstStyle/>
-          <a:p>
-            <a:pPr algn="ctr"/>
-            <a:r>
-              <a:rPr lang="en-US" sz="1050" dirty="0" smtClean="0">
-                <a:solidFill>
-                  <a:srgbClr val="7030A0"/>
-                </a:solidFill>
-              </a:rPr>
-              <a:t>Subject</a:t>
-            </a:r>
-            <a:endParaRPr lang="en-SG" sz="1050" dirty="0">
-              <a:solidFill>
-                <a:srgbClr val="7030A0"/>
-              </a:solidFill>
-            </a:endParaRPr>
-          </a:p>
-        </p:txBody>
-      </p:sp>
-      <p:sp>
-        <p:nvSpPr>
-          <p:cNvPr id="59" name="TextBox 58">
-            <a:extLst>
-              <a:ext uri="{FF2B5EF4-FFF2-40B4-BE49-F238E27FC236}">
-                <a16:creationId xmlns:a16="http://schemas.microsoft.com/office/drawing/2014/main" xmlns="" id="{B3FA9D57-880F-49C4-AD0B-A64E30D6F403}"/>
-              </a:ext>
-            </a:extLst>
-          </p:cNvPr>
-          <p:cNvSpPr txBox="1"/>
-          <p:nvPr/>
-        </p:nvSpPr>
-        <p:spPr>
-          <a:xfrm>
-            <a:off x="7069880" y="1865860"/>
-            <a:ext cx="533400" cy="169565"/>
-          </a:xfrm>
-          <a:prstGeom prst="rect">
-            <a:avLst/>
-          </a:prstGeom>
-          <a:noFill/>
-        </p:spPr>
-        <p:txBody>
-          <a:bodyPr wrap="square" lIns="0" tIns="0" rIns="0" bIns="0" rtlCol="0">
-            <a:noAutofit/>
-          </a:bodyPr>
-          <a:lstStyle/>
-          <a:p>
-            <a:pPr algn="ctr"/>
-            <a:r>
-              <a:rPr lang="en-SG" sz="1100" dirty="0" smtClean="0">
-                <a:solidFill>
-                  <a:srgbClr val="7030A0"/>
-                </a:solidFill>
-              </a:rPr>
-              <a:t>1..*</a:t>
-            </a:r>
-            <a:endParaRPr lang="en-SG" sz="1100" dirty="0">
-              <a:solidFill>
-                <a:srgbClr val="7030A0"/>
-              </a:solidFill>
-            </a:endParaRPr>
-          </a:p>
-        </p:txBody>
-      </p:sp>
-      <p:cxnSp>
-        <p:nvCxnSpPr>
-          <p:cNvPr id="72" name="Elbow Connector 78">
-            <a:extLst>
-              <a:ext uri="{FF2B5EF4-FFF2-40B4-BE49-F238E27FC236}">
-                <a16:creationId xmlns:a16="http://schemas.microsoft.com/office/drawing/2014/main" xmlns="" id="{B97967F8-618A-448B-81FD-CDFD4AF0EC64}"/>
-              </a:ext>
-            </a:extLst>
-          </p:cNvPr>
-          <p:cNvCxnSpPr>
-            <a:cxnSpLocks/>
-            <a:stCxn id="78" idx="3"/>
-            <a:endCxn id="57" idx="1"/>
-          </p:cNvCxnSpPr>
-          <p:nvPr/>
-        </p:nvCxnSpPr>
-        <p:spPr>
-          <a:xfrm flipV="1">
-            <a:off x="7053704" y="2040407"/>
-            <a:ext cx="432498" cy="994484"/>
-          </a:xfrm>
-          <a:prstGeom prst="bentConnector3">
-            <a:avLst>
-              <a:gd name="adj1" fmla="val 50000"/>
-            </a:avLst>
-          </a:prstGeom>
-          <a:ln w="19050">
-            <a:solidFill>
-              <a:srgbClr val="7030A0"/>
-            </a:solidFill>
-            <a:headEnd type="none" w="med" len="med"/>
-            <a:tailEnd type="arrow" w="med" len="med"/>
-          </a:ln>
-          <a:effectLst/>
-        </p:spPr>
-        <p:style>
-          <a:lnRef idx="1">
-            <a:schemeClr val="accent2"/>
-          </a:lnRef>
-          <a:fillRef idx="2">
-            <a:schemeClr val="accent2"/>
-          </a:fillRef>
-          <a:effectRef idx="1">
-            <a:schemeClr val="accent2"/>
-          </a:effectRef>
-          <a:fontRef idx="minor">
-            <a:schemeClr val="dk1"/>
-          </a:fontRef>
-        </p:style>
-      </p:cxnSp>
-      <p:cxnSp>
-        <p:nvCxnSpPr>
-          <p:cNvPr id="74" name="Elbow Connector 73"/>
-          <p:cNvCxnSpPr>
-            <a:stCxn id="78" idx="3"/>
-            <a:endCxn id="56" idx="1"/>
-          </p:cNvCxnSpPr>
-          <p:nvPr/>
-        </p:nvCxnSpPr>
-        <p:spPr>
-          <a:xfrm>
-            <a:off x="7053704" y="3034891"/>
-            <a:ext cx="432498" cy="964279"/>
-          </a:xfrm>
-          <a:prstGeom prst="bentConnector3">
-            <a:avLst>
-              <a:gd name="adj1" fmla="val 50000"/>
-            </a:avLst>
-          </a:prstGeom>
-          <a:ln w="19050">
-            <a:solidFill>
-              <a:srgbClr val="7030A0"/>
-            </a:solidFill>
-            <a:headEnd type="none" w="med" len="med"/>
-            <a:tailEnd type="arrow" w="med" len="med"/>
-          </a:ln>
-          <a:effectLst/>
-        </p:spPr>
-        <p:style>
-          <a:lnRef idx="1">
-            <a:schemeClr val="accent2"/>
-          </a:lnRef>
-          <a:fillRef idx="2">
-            <a:schemeClr val="accent2"/>
-          </a:fillRef>
-          <a:effectRef idx="1">
-            <a:schemeClr val="accent2"/>
-          </a:effectRef>
-          <a:fontRef idx="minor">
-            <a:schemeClr val="dk1"/>
-          </a:fontRef>
-        </p:style>
-      </p:cxnSp>
-      <p:sp>
-        <p:nvSpPr>
-          <p:cNvPr id="77" name="Rectangle 8">
-            <a:extLst>
-              <a:ext uri="{FF2B5EF4-FFF2-40B4-BE49-F238E27FC236}">
-                <a16:creationId xmlns:a16="http://schemas.microsoft.com/office/drawing/2014/main" xmlns="" id="{ABDCDBD2-131A-4B66-A2F2-43BBEE82C773}"/>
-              </a:ext>
-            </a:extLst>
-          </p:cNvPr>
-          <p:cNvSpPr/>
-          <p:nvPr/>
-        </p:nvSpPr>
-        <p:spPr>
-          <a:xfrm>
-            <a:off x="7486202" y="4186571"/>
-            <a:ext cx="708186" cy="285783"/>
-          </a:xfrm>
-          <a:prstGeom prst="rect">
-            <a:avLst/>
-          </a:prstGeom>
-          <a:ln w="19050">
-            <a:solidFill>
-              <a:srgbClr val="7030A0"/>
-            </a:solidFill>
-          </a:ln>
-          <a:effectLst/>
-        </p:spPr>
-        <p:style>
-          <a:lnRef idx="1">
-            <a:schemeClr val="accent4"/>
-          </a:lnRef>
-          <a:fillRef idx="2">
-            <a:schemeClr val="accent4"/>
-          </a:fillRef>
-          <a:effectRef idx="1">
-            <a:schemeClr val="accent4"/>
-          </a:effectRef>
-          <a:fontRef idx="minor">
-            <a:schemeClr val="dk1"/>
-          </a:fontRef>
-        </p:style>
-        <p:txBody>
-          <a:bodyPr rtlCol="0" anchor="ctr"/>
-          <a:lstStyle/>
-          <a:p>
-            <a:pPr algn="ctr"/>
-            <a:r>
-              <a:rPr lang="en-US" sz="1050" dirty="0" smtClean="0">
-                <a:solidFill>
-                  <a:srgbClr val="7030A0"/>
-                </a:solidFill>
-              </a:rPr>
-              <a:t>Payment</a:t>
-            </a:r>
-            <a:endParaRPr lang="en-SG" sz="1050" dirty="0">
-              <a:solidFill>
-                <a:srgbClr val="7030A0"/>
-              </a:solidFill>
-            </a:endParaRPr>
-          </a:p>
-        </p:txBody>
-      </p:sp>
-      <p:cxnSp>
-        <p:nvCxnSpPr>
-          <p:cNvPr id="82" name="Elbow Connector 81"/>
-          <p:cNvCxnSpPr>
-            <a:stCxn id="78" idx="3"/>
-            <a:endCxn id="77" idx="1"/>
-          </p:cNvCxnSpPr>
-          <p:nvPr/>
-        </p:nvCxnSpPr>
-        <p:spPr>
-          <a:xfrm>
-            <a:off x="7053704" y="3034891"/>
-            <a:ext cx="432498" cy="1294572"/>
-          </a:xfrm>
-          <a:prstGeom prst="bentConnector3">
-            <a:avLst>
-              <a:gd name="adj1" fmla="val 50000"/>
-            </a:avLst>
-          </a:prstGeom>
-          <a:ln w="19050">
-            <a:solidFill>
-              <a:srgbClr val="7030A0"/>
-            </a:solidFill>
-            <a:headEnd type="none" w="med" len="med"/>
-            <a:tailEnd type="arrow" w="med" len="med"/>
-          </a:ln>
-          <a:effectLst/>
-        </p:spPr>
-        <p:style>
-          <a:lnRef idx="1">
-            <a:schemeClr val="accent2"/>
-          </a:lnRef>
-          <a:fillRef idx="2">
-            <a:schemeClr val="accent2"/>
-          </a:fillRef>
-          <a:effectRef idx="1">
-            <a:schemeClr val="accent2"/>
-          </a:effectRef>
-          <a:fontRef idx="minor">
-            <a:schemeClr val="dk1"/>
-          </a:fontRef>
-        </p:style>
-      </p:cxnSp>
-      <p:sp>
-        <p:nvSpPr>
-          <p:cNvPr id="87" name="TextBox 86">
-            <a:extLst>
-              <a:ext uri="{FF2B5EF4-FFF2-40B4-BE49-F238E27FC236}">
-                <a16:creationId xmlns:a16="http://schemas.microsoft.com/office/drawing/2014/main" xmlns="" id="{B3FA9D57-880F-49C4-AD0B-A64E30D6F403}"/>
-              </a:ext>
-            </a:extLst>
-          </p:cNvPr>
-          <p:cNvSpPr txBox="1"/>
-          <p:nvPr/>
-        </p:nvSpPr>
-        <p:spPr>
-          <a:xfrm>
-            <a:off x="7225842" y="4370728"/>
-            <a:ext cx="249286" cy="164973"/>
-          </a:xfrm>
-          <a:prstGeom prst="rect">
-            <a:avLst/>
-          </a:prstGeom>
-          <a:noFill/>
-        </p:spPr>
-        <p:txBody>
-          <a:bodyPr wrap="square" lIns="0" tIns="0" rIns="0" bIns="0" rtlCol="0">
-            <a:noAutofit/>
-          </a:bodyPr>
-          <a:lstStyle/>
-          <a:p>
-            <a:pPr algn="ctr"/>
-            <a:r>
-              <a:rPr lang="en-SG" sz="1100" dirty="0" smtClean="0">
-                <a:solidFill>
-                  <a:srgbClr val="7030A0"/>
-                </a:solidFill>
-              </a:rPr>
-              <a:t>0..5</a:t>
-            </a:r>
-            <a:endParaRPr lang="en-SG" sz="1100" dirty="0">
-              <a:solidFill>
-                <a:srgbClr val="7030A0"/>
-              </a:solidFill>
-            </a:endParaRPr>
-          </a:p>
-        </p:txBody>
-      </p:sp>
     </p:spTree>
     <p:extLst>
       <p:ext uri="{BB962C8B-B14F-4D97-AF65-F5344CB8AC3E}">
